--- a/Statakurs am BIBB.pptx
+++ b/Statakurs am BIBB.pptx
@@ -19,7 +19,7 @@
   <p:notesSz cx="6797675" cy="9926638"/>
   <p:embeddedFontLst>
     <p:embeddedFont>
-      <p:font typeface="Roboto Condensed" panose="02000000000000000000" pitchFamily="2" charset="0"/>
+      <p:font typeface="Adobe Devanagari" panose="02040503050201020203" charset="0"/>
       <p:regular r:id="rId7"/>
       <p:bold r:id="rId8"/>
       <p:italic r:id="rId9"/>
@@ -38,21 +38,21 @@
       <p:boldItalic r:id="rId16"/>
     </p:embeddedFont>
     <p:embeddedFont>
-      <p:font typeface="Nunito Sans" panose="00000500000000000000" pitchFamily="2" charset="0"/>
+      <p:font typeface="Roboto Condensed" panose="02000000000000000000" pitchFamily="2" charset="0"/>
       <p:regular r:id="rId17"/>
       <p:bold r:id="rId18"/>
       <p:italic r:id="rId19"/>
       <p:boldItalic r:id="rId20"/>
     </p:embeddedFont>
     <p:embeddedFont>
-      <p:font typeface="Source Sans Pro" panose="020B0604020202020204" charset="0"/>
+      <p:font typeface="Nunito Sans" panose="00000500000000000000" pitchFamily="2" charset="0"/>
       <p:regular r:id="rId21"/>
       <p:bold r:id="rId22"/>
       <p:italic r:id="rId23"/>
       <p:boldItalic r:id="rId24"/>
     </p:embeddedFont>
     <p:embeddedFont>
-      <p:font typeface="Adobe Devanagari" panose="02040503050201020203" charset="0"/>
+      <p:font typeface="Source Sans Pro" panose="020B0604020202020204" charset="0"/>
       <p:regular r:id="rId25"/>
       <p:bold r:id="rId26"/>
       <p:italic r:id="rId27"/>
@@ -247,7 +247,7 @@
           <a:p>
             <a:fld id="{4B233B32-3280-490F-B74E-215C31BA8567}" type="datetimeFigureOut">
               <a:rPr lang="de-DE" smtClean="0"/>
-              <a:t>06.12.2021</a:t>
+              <a:t>14.12.2021</a:t>
             </a:fld>
             <a:endParaRPr lang="de-DE"/>
           </a:p>
@@ -412,7 +412,7 @@
           <a:p>
             <a:fld id="{023684E5-EC29-4D9F-A7F5-A48B0681052C}" type="datetimeFigureOut">
               <a:rPr lang="de-DE" smtClean="0"/>
-              <a:t>06.12.2021</a:t>
+              <a:t>14.12.2021</a:t>
             </a:fld>
             <a:endParaRPr lang="de-DE"/>
           </a:p>
@@ -3395,7 +3395,7 @@
             </a:r>
             <a:r>
               <a:rPr lang="de-DE" b="1" dirty="0" smtClean="0"/>
-              <a:t>Einstieg</a:t>
+              <a:t>Einführung</a:t>
             </a:r>
             <a:endParaRPr lang="de-DE" dirty="0"/>
           </a:p>
@@ -3418,13 +3418,8 @@
           <a:p>
             <a:r>
               <a:rPr lang="de-DE" dirty="0" smtClean="0"/>
-              <a:t>Fortbildung am BIBB, </a:t>
+              <a:t>Fortbildung am BIBB, 15.12.2021</a:t>
             </a:r>
-            <a:r>
-              <a:rPr lang="de-DE" dirty="0" smtClean="0"/>
-              <a:t>15.12.2021</a:t>
-            </a:r>
-            <a:endParaRPr lang="de-DE" dirty="0" smtClean="0"/>
           </a:p>
           <a:p>
             <a:r>
@@ -3509,29 +3504,6 @@
       </p:sp>
       <p:sp>
         <p:nvSpPr>
-          <p:cNvPr id="4" name="Fußzeilenplatzhalter 3"/>
-          <p:cNvSpPr>
-            <a:spLocks noGrp="1"/>
-          </p:cNvSpPr>
-          <p:nvPr>
-            <p:ph type="ftr" sz="quarter" idx="11"/>
-          </p:nvPr>
-        </p:nvSpPr>
-        <p:spPr/>
-        <p:txBody>
-          <a:bodyPr/>
-          <a:lstStyle/>
-          <a:p>
-            <a:r>
-              <a:rPr lang="de-DE" smtClean="0"/>
-              <a:t>Titel der Präsentation</a:t>
-            </a:r>
-            <a:endParaRPr lang="de-DE" dirty="0"/>
-          </a:p>
-        </p:txBody>
-      </p:sp>
-      <p:sp>
-        <p:nvSpPr>
           <p:cNvPr id="5" name="Foliennummernplatzhalter 4"/>
           <p:cNvSpPr>
             <a:spLocks noGrp="1"/>
@@ -3563,14 +3535,14 @@
           <p:nvPr>
             <p:extLst>
               <p:ext uri="{D42A27DB-BD31-4B8C-83A1-F6EECF244321}">
-                <p14:modId xmlns:p14="http://schemas.microsoft.com/office/powerpoint/2010/main" val="3803205776"/>
+                <p14:modId xmlns:p14="http://schemas.microsoft.com/office/powerpoint/2010/main" val="1639016616"/>
               </p:ext>
             </p:extLst>
           </p:nvPr>
         </p:nvGraphicFramePr>
         <p:xfrm>
           <a:off x="848834" y="2008664"/>
-          <a:ext cx="7743373" cy="3806137"/>
+          <a:ext cx="7743373" cy="3627507"/>
         </p:xfrm>
         <a:graphic>
           <a:graphicData uri="http://schemas.openxmlformats.org/drawingml/2006/table">
@@ -3822,12 +3794,12 @@
                         </a:spcAft>
                       </a:pPr>
                       <a:r>
-                        <a:rPr lang="de-DE" sz="1400">
+                        <a:rPr lang="de-DE" sz="1400" dirty="0">
                           <a:effectLst/>
                         </a:rPr>
                         <a:t>Willkommen</a:t>
                       </a:r>
-                      <a:endParaRPr lang="de-DE" sz="1400">
+                      <a:endParaRPr lang="de-DE" sz="1400" dirty="0">
                         <a:solidFill>
                           <a:srgbClr val="000000"/>
                         </a:solidFill>
@@ -4924,23 +4896,6 @@
                         <a:rPr lang="de-DE" sz="1400" dirty="0" err="1" smtClean="0">
                           <a:effectLst/>
                         </a:rPr>
-                        <a:t>bysort</a:t>
-                      </a:r>
-                      <a:r>
-                        <a:rPr lang="de-DE" sz="1400" dirty="0" smtClean="0">
-                          <a:effectLst/>
-                        </a:rPr>
-                        <a:t> und einfache Schleifen,</a:t>
-                      </a:r>
-                      <a:br>
-                        <a:rPr lang="de-DE" sz="1400" dirty="0" smtClean="0">
-                          <a:effectLst/>
-                        </a:rPr>
-                      </a:br>
-                      <a:r>
-                        <a:rPr lang="de-DE" sz="1400" dirty="0" err="1" smtClean="0">
-                          <a:effectLst/>
-                        </a:rPr>
                         <a:t>DoFiles</a:t>
                       </a:r>
                       <a:r>
@@ -4971,13 +4926,7 @@
                         <a:rPr lang="de-DE" sz="1400" dirty="0" smtClean="0">
                           <a:effectLst/>
                         </a:rPr>
-                        <a:t>verstehen,</a:t>
-                      </a:r>
-                      <a:r>
-                        <a:rPr lang="de-DE" sz="1400" dirty="0" smtClean="0">
-                          <a:effectLst/>
-                        </a:rPr>
-                        <a:t> ggf. Wünsche von Teilnehmenden</a:t>
+                        <a:t>verstehen, ggf. Wünsche von Teilnehmenden</a:t>
                       </a:r>
                       <a:endParaRPr lang="de-DE" sz="1400" dirty="0" smtClean="0">
                         <a:solidFill>
@@ -5375,8 +5324,8 @@
         </p:blipFill>
         <p:spPr>
           <a:xfrm>
-            <a:off x="7901232" y="1640270"/>
-            <a:ext cx="4172228" cy="2894387"/>
+            <a:off x="7474357" y="1640270"/>
+            <a:ext cx="4599103" cy="3190522"/>
           </a:xfrm>
           <a:prstGeom prst="rect">
             <a:avLst/>
